--- a/Docs/结算组单据电子审核重点.pptx
+++ b/Docs/结算组单据电子审核重点.pptx
@@ -5,28 +5,28 @@
     <p:sldMasterId id="2147483648" r:id="rId1"/>
   </p:sldMasterIdLst>
   <p:notesMasterIdLst>
-    <p:notesMasterId r:id="rId22"/>
+    <p:notesMasterId r:id="rId21"/>
   </p:notesMasterIdLst>
   <p:sldIdLst>
-    <p:sldId id="2613" r:id="rId3"/>
-    <p:sldId id="257" r:id="rId4"/>
-    <p:sldId id="258" r:id="rId5"/>
-    <p:sldId id="324" r:id="rId6"/>
-    <p:sldId id="2632" r:id="rId7"/>
-    <p:sldId id="2633" r:id="rId8"/>
-    <p:sldId id="2634" r:id="rId9"/>
-    <p:sldId id="2635" r:id="rId10"/>
-    <p:sldId id="2636" r:id="rId11"/>
-    <p:sldId id="2637" r:id="rId12"/>
-    <p:sldId id="2638" r:id="rId13"/>
-    <p:sldId id="2639" r:id="rId14"/>
-    <p:sldId id="2640" r:id="rId15"/>
-    <p:sldId id="2641" r:id="rId16"/>
-    <p:sldId id="2642" r:id="rId17"/>
-    <p:sldId id="2643" r:id="rId18"/>
-    <p:sldId id="2644" r:id="rId19"/>
-    <p:sldId id="2645" r:id="rId20"/>
-    <p:sldId id="2617" r:id="rId21"/>
+    <p:sldId id="2613" r:id="rId2"/>
+    <p:sldId id="257" r:id="rId3"/>
+    <p:sldId id="258" r:id="rId4"/>
+    <p:sldId id="324" r:id="rId5"/>
+    <p:sldId id="2632" r:id="rId6"/>
+    <p:sldId id="2633" r:id="rId7"/>
+    <p:sldId id="2634" r:id="rId8"/>
+    <p:sldId id="2635" r:id="rId9"/>
+    <p:sldId id="2636" r:id="rId10"/>
+    <p:sldId id="2637" r:id="rId11"/>
+    <p:sldId id="2638" r:id="rId12"/>
+    <p:sldId id="2639" r:id="rId13"/>
+    <p:sldId id="2640" r:id="rId14"/>
+    <p:sldId id="2641" r:id="rId15"/>
+    <p:sldId id="2642" r:id="rId16"/>
+    <p:sldId id="2643" r:id="rId17"/>
+    <p:sldId id="2644" r:id="rId18"/>
+    <p:sldId id="2645" r:id="rId19"/>
+    <p:sldId id="2617" r:id="rId20"/>
   </p:sldIdLst>
   <p:sldSz cx="12192000" cy="6858000"/>
   <p:notesSz cx="6858000" cy="9144000"/>
@@ -125,6 +125,11 @@
       </a:defRPr>
     </a:lvl9pPr>
   </p:defaultTextStyle>
+  <p:extLst>
+    <p:ext uri="{EFAFB233-063F-42B5-8137-9DF3F51BA10A}">
+      <p15:sldGuideLst xmlns:p15="http://schemas.microsoft.com/office/powerpoint/2012/main"/>
+    </p:ext>
+  </p:extLst>
 </p:presentation>
 </file>
 
@@ -210,6 +215,7 @@
           <a:p>
             <a:fld id="{BEE742D4-8167-4DCB-B631-3FBC5A69AB22}" type="datetimeFigureOut">
               <a:rPr lang="zh-CN" altLang="en-US" smtClean="0"/>
+              <a:t>2020/6/12</a:t>
             </a:fld>
             <a:endParaRPr lang="zh-CN" altLang="en-US"/>
           </a:p>
@@ -276,7 +282,6 @@
               <a:rPr lang="zh-CN" altLang="en-US"/>
               <a:t>编辑母版文本样式</a:t>
             </a:r>
-            <a:endParaRPr lang="zh-CN" altLang="en-US"/>
           </a:p>
           <a:p>
             <a:pPr lvl="1"/>
@@ -284,7 +289,6 @@
               <a:rPr lang="zh-CN" altLang="en-US"/>
               <a:t>第二级</a:t>
             </a:r>
-            <a:endParaRPr lang="zh-CN" altLang="en-US"/>
           </a:p>
           <a:p>
             <a:pPr lvl="2"/>
@@ -292,7 +296,6 @@
               <a:rPr lang="zh-CN" altLang="en-US"/>
               <a:t>第三级</a:t>
             </a:r>
-            <a:endParaRPr lang="zh-CN" altLang="en-US"/>
           </a:p>
           <a:p>
             <a:pPr lvl="3"/>
@@ -300,7 +303,6 @@
               <a:rPr lang="zh-CN" altLang="en-US"/>
               <a:t>第四级</a:t>
             </a:r>
-            <a:endParaRPr lang="zh-CN" altLang="en-US"/>
           </a:p>
           <a:p>
             <a:pPr lvl="4"/>
@@ -308,7 +310,6 @@
               <a:rPr lang="zh-CN" altLang="en-US"/>
               <a:t>第五级</a:t>
             </a:r>
-            <a:endParaRPr lang="zh-CN" altLang="en-US"/>
           </a:p>
         </p:txBody>
       </p:sp>
@@ -372,6 +373,7 @@
           <a:p>
             <a:fld id="{FC77162D-C68C-4493-A04A-10D4AAAC9E22}" type="slidenum">
               <a:rPr lang="zh-CN" altLang="en-US" smtClean="0"/>
+              <a:t>‹#›</a:t>
             </a:fld>
             <a:endParaRPr lang="zh-CN" altLang="en-US"/>
           </a:p>
@@ -520,7 +522,6 @@
               <a:rPr lang="zh-CN" altLang="en-US"/>
               <a:t>单击此处编辑母版标题样式</a:t>
             </a:r>
-            <a:endParaRPr lang="zh-CN" altLang="en-US"/>
           </a:p>
         </p:txBody>
       </p:sp>
@@ -585,7 +586,6 @@
               <a:rPr lang="zh-CN" altLang="en-US"/>
               <a:t>单击此处编辑母版副标题样式</a:t>
             </a:r>
-            <a:endParaRPr lang="zh-CN" altLang="en-US"/>
           </a:p>
         </p:txBody>
       </p:sp>
@@ -606,6 +606,7 @@
           <a:p>
             <a:fld id="{882CB276-7D8B-4D6B-9BF7-43AB421A4C2B}" type="datetimeFigureOut">
               <a:rPr lang="zh-CN" altLang="en-US" smtClean="0"/>
+              <a:t>2020/6/12</a:t>
             </a:fld>
             <a:endParaRPr lang="zh-CN" altLang="en-US"/>
           </a:p>
@@ -647,6 +648,7 @@
           <a:p>
             <a:fld id="{09E178D6-B1F5-4B95-86EC-42DA8F8B10E4}" type="slidenum">
               <a:rPr lang="zh-CN" altLang="en-US" smtClean="0"/>
+              <a:t>‹#›</a:t>
             </a:fld>
             <a:endParaRPr lang="zh-CN" altLang="en-US"/>
           </a:p>
@@ -696,7 +698,6 @@
               <a:rPr lang="zh-CN" altLang="en-US"/>
               <a:t>单击此处编辑母版标题样式</a:t>
             </a:r>
-            <a:endParaRPr lang="zh-CN" altLang="en-US"/>
           </a:p>
         </p:txBody>
       </p:sp>
@@ -720,7 +721,6 @@
               <a:rPr lang="zh-CN" altLang="en-US"/>
               <a:t>编辑母版文本样式</a:t>
             </a:r>
-            <a:endParaRPr lang="zh-CN" altLang="en-US"/>
           </a:p>
           <a:p>
             <a:pPr lvl="1"/>
@@ -728,7 +728,6 @@
               <a:rPr lang="zh-CN" altLang="en-US"/>
               <a:t>第二级</a:t>
             </a:r>
-            <a:endParaRPr lang="zh-CN" altLang="en-US"/>
           </a:p>
           <a:p>
             <a:pPr lvl="2"/>
@@ -736,7 +735,6 @@
               <a:rPr lang="zh-CN" altLang="en-US"/>
               <a:t>第三级</a:t>
             </a:r>
-            <a:endParaRPr lang="zh-CN" altLang="en-US"/>
           </a:p>
           <a:p>
             <a:pPr lvl="3"/>
@@ -744,7 +742,6 @@
               <a:rPr lang="zh-CN" altLang="en-US"/>
               <a:t>第四级</a:t>
             </a:r>
-            <a:endParaRPr lang="zh-CN" altLang="en-US"/>
           </a:p>
           <a:p>
             <a:pPr lvl="4"/>
@@ -752,7 +749,6 @@
               <a:rPr lang="zh-CN" altLang="en-US"/>
               <a:t>第五级</a:t>
             </a:r>
-            <a:endParaRPr lang="zh-CN" altLang="en-US"/>
           </a:p>
         </p:txBody>
       </p:sp>
@@ -773,6 +769,7 @@
           <a:p>
             <a:fld id="{882CB276-7D8B-4D6B-9BF7-43AB421A4C2B}" type="datetimeFigureOut">
               <a:rPr lang="zh-CN" altLang="en-US" smtClean="0"/>
+              <a:t>2020/6/12</a:t>
             </a:fld>
             <a:endParaRPr lang="zh-CN" altLang="en-US"/>
           </a:p>
@@ -814,6 +811,7 @@
           <a:p>
             <a:fld id="{09E178D6-B1F5-4B95-86EC-42DA8F8B10E4}" type="slidenum">
               <a:rPr lang="zh-CN" altLang="en-US" smtClean="0"/>
+              <a:t>‹#›</a:t>
             </a:fld>
             <a:endParaRPr lang="zh-CN" altLang="en-US"/>
           </a:p>
@@ -868,7 +866,6 @@
               <a:rPr lang="zh-CN" altLang="en-US"/>
               <a:t>单击此处编辑母版标题样式</a:t>
             </a:r>
-            <a:endParaRPr lang="zh-CN" altLang="en-US"/>
           </a:p>
         </p:txBody>
       </p:sp>
@@ -897,7 +894,6 @@
               <a:rPr lang="zh-CN" altLang="en-US"/>
               <a:t>编辑母版文本样式</a:t>
             </a:r>
-            <a:endParaRPr lang="zh-CN" altLang="en-US"/>
           </a:p>
           <a:p>
             <a:pPr lvl="1"/>
@@ -905,7 +901,6 @@
               <a:rPr lang="zh-CN" altLang="en-US"/>
               <a:t>第二级</a:t>
             </a:r>
-            <a:endParaRPr lang="zh-CN" altLang="en-US"/>
           </a:p>
           <a:p>
             <a:pPr lvl="2"/>
@@ -913,7 +908,6 @@
               <a:rPr lang="zh-CN" altLang="en-US"/>
               <a:t>第三级</a:t>
             </a:r>
-            <a:endParaRPr lang="zh-CN" altLang="en-US"/>
           </a:p>
           <a:p>
             <a:pPr lvl="3"/>
@@ -921,7 +915,6 @@
               <a:rPr lang="zh-CN" altLang="en-US"/>
               <a:t>第四级</a:t>
             </a:r>
-            <a:endParaRPr lang="zh-CN" altLang="en-US"/>
           </a:p>
           <a:p>
             <a:pPr lvl="4"/>
@@ -929,7 +922,6 @@
               <a:rPr lang="zh-CN" altLang="en-US"/>
               <a:t>第五级</a:t>
             </a:r>
-            <a:endParaRPr lang="zh-CN" altLang="en-US"/>
           </a:p>
         </p:txBody>
       </p:sp>
@@ -950,6 +942,7 @@
           <a:p>
             <a:fld id="{882CB276-7D8B-4D6B-9BF7-43AB421A4C2B}" type="datetimeFigureOut">
               <a:rPr lang="zh-CN" altLang="en-US" smtClean="0"/>
+              <a:t>2020/6/12</a:t>
             </a:fld>
             <a:endParaRPr lang="zh-CN" altLang="en-US"/>
           </a:p>
@@ -991,6 +984,7 @@
           <a:p>
             <a:fld id="{09E178D6-B1F5-4B95-86EC-42DA8F8B10E4}" type="slidenum">
               <a:rPr lang="zh-CN" altLang="en-US" smtClean="0"/>
+              <a:t>‹#›</a:t>
             </a:fld>
             <a:endParaRPr lang="zh-CN" altLang="en-US"/>
           </a:p>
@@ -1058,6 +1052,7 @@
                 <a:ea typeface="Open Sans Condensed Light" panose="020B0306030504020204" pitchFamily="34" charset="0"/>
                 <a:cs typeface="Open Sans Condensed Light" panose="020B0306030504020204" pitchFamily="34" charset="0"/>
               </a:rPr>
+              <a:t>‹#›</a:t>
             </a:fld>
             <a:endParaRPr lang="bg-BG" sz="9600">
               <a:solidFill>
@@ -1186,7 +1181,6 @@
               <a:rPr lang="zh-CN" altLang="en-US"/>
               <a:t>单击此处编辑母版标题样式</a:t>
             </a:r>
-            <a:endParaRPr lang="zh-CN" altLang="en-US"/>
           </a:p>
         </p:txBody>
       </p:sp>
@@ -1210,7 +1204,6 @@
               <a:rPr lang="zh-CN" altLang="en-US"/>
               <a:t>编辑母版文本样式</a:t>
             </a:r>
-            <a:endParaRPr lang="zh-CN" altLang="en-US"/>
           </a:p>
           <a:p>
             <a:pPr lvl="1"/>
@@ -1218,7 +1211,6 @@
               <a:rPr lang="zh-CN" altLang="en-US"/>
               <a:t>第二级</a:t>
             </a:r>
-            <a:endParaRPr lang="zh-CN" altLang="en-US"/>
           </a:p>
           <a:p>
             <a:pPr lvl="2"/>
@@ -1226,7 +1218,6 @@
               <a:rPr lang="zh-CN" altLang="en-US"/>
               <a:t>第三级</a:t>
             </a:r>
-            <a:endParaRPr lang="zh-CN" altLang="en-US"/>
           </a:p>
           <a:p>
             <a:pPr lvl="3"/>
@@ -1234,7 +1225,6 @@
               <a:rPr lang="zh-CN" altLang="en-US"/>
               <a:t>第四级</a:t>
             </a:r>
-            <a:endParaRPr lang="zh-CN" altLang="en-US"/>
           </a:p>
           <a:p>
             <a:pPr lvl="4"/>
@@ -1242,7 +1232,6 @@
               <a:rPr lang="zh-CN" altLang="en-US"/>
               <a:t>第五级</a:t>
             </a:r>
-            <a:endParaRPr lang="zh-CN" altLang="en-US"/>
           </a:p>
         </p:txBody>
       </p:sp>
@@ -1263,6 +1252,7 @@
           <a:p>
             <a:fld id="{882CB276-7D8B-4D6B-9BF7-43AB421A4C2B}" type="datetimeFigureOut">
               <a:rPr lang="zh-CN" altLang="en-US" smtClean="0"/>
+              <a:t>2020/6/12</a:t>
             </a:fld>
             <a:endParaRPr lang="zh-CN" altLang="en-US"/>
           </a:p>
@@ -1304,6 +1294,7 @@
           <a:p>
             <a:fld id="{09E178D6-B1F5-4B95-86EC-42DA8F8B10E4}" type="slidenum">
               <a:rPr lang="zh-CN" altLang="en-US" smtClean="0"/>
+              <a:t>‹#›</a:t>
             </a:fld>
             <a:endParaRPr lang="zh-CN" altLang="en-US"/>
           </a:p>
@@ -1362,7 +1353,6 @@
               <a:rPr lang="zh-CN" altLang="en-US"/>
               <a:t>单击此处编辑母版标题样式</a:t>
             </a:r>
-            <a:endParaRPr lang="zh-CN" altLang="en-US"/>
           </a:p>
         </p:txBody>
       </p:sp>
@@ -1482,7 +1472,6 @@
               <a:rPr lang="zh-CN" altLang="en-US"/>
               <a:t>编辑母版文本样式</a:t>
             </a:r>
-            <a:endParaRPr lang="zh-CN" altLang="en-US"/>
           </a:p>
         </p:txBody>
       </p:sp>
@@ -1503,6 +1492,7 @@
           <a:p>
             <a:fld id="{882CB276-7D8B-4D6B-9BF7-43AB421A4C2B}" type="datetimeFigureOut">
               <a:rPr lang="zh-CN" altLang="en-US" smtClean="0"/>
+              <a:t>2020/6/12</a:t>
             </a:fld>
             <a:endParaRPr lang="zh-CN" altLang="en-US"/>
           </a:p>
@@ -1544,6 +1534,7 @@
           <a:p>
             <a:fld id="{09E178D6-B1F5-4B95-86EC-42DA8F8B10E4}" type="slidenum">
               <a:rPr lang="zh-CN" altLang="en-US" smtClean="0"/>
+              <a:t>‹#›</a:t>
             </a:fld>
             <a:endParaRPr lang="zh-CN" altLang="en-US"/>
           </a:p>
@@ -1593,7 +1584,6 @@
               <a:rPr lang="zh-CN" altLang="en-US"/>
               <a:t>单击此处编辑母版标题样式</a:t>
             </a:r>
-            <a:endParaRPr lang="zh-CN" altLang="en-US"/>
           </a:p>
         </p:txBody>
       </p:sp>
@@ -1622,7 +1612,6 @@
               <a:rPr lang="zh-CN" altLang="en-US"/>
               <a:t>编辑母版文本样式</a:t>
             </a:r>
-            <a:endParaRPr lang="zh-CN" altLang="en-US"/>
           </a:p>
           <a:p>
             <a:pPr lvl="1"/>
@@ -1630,7 +1619,6 @@
               <a:rPr lang="zh-CN" altLang="en-US"/>
               <a:t>第二级</a:t>
             </a:r>
-            <a:endParaRPr lang="zh-CN" altLang="en-US"/>
           </a:p>
           <a:p>
             <a:pPr lvl="2"/>
@@ -1638,7 +1626,6 @@
               <a:rPr lang="zh-CN" altLang="en-US"/>
               <a:t>第三级</a:t>
             </a:r>
-            <a:endParaRPr lang="zh-CN" altLang="en-US"/>
           </a:p>
           <a:p>
             <a:pPr lvl="3"/>
@@ -1646,7 +1633,6 @@
               <a:rPr lang="zh-CN" altLang="en-US"/>
               <a:t>第四级</a:t>
             </a:r>
-            <a:endParaRPr lang="zh-CN" altLang="en-US"/>
           </a:p>
           <a:p>
             <a:pPr lvl="4"/>
@@ -1654,7 +1640,6 @@
               <a:rPr lang="zh-CN" altLang="en-US"/>
               <a:t>第五级</a:t>
             </a:r>
-            <a:endParaRPr lang="zh-CN" altLang="en-US"/>
           </a:p>
         </p:txBody>
       </p:sp>
@@ -1683,7 +1668,6 @@
               <a:rPr lang="zh-CN" altLang="en-US"/>
               <a:t>编辑母版文本样式</a:t>
             </a:r>
-            <a:endParaRPr lang="zh-CN" altLang="en-US"/>
           </a:p>
           <a:p>
             <a:pPr lvl="1"/>
@@ -1691,7 +1675,6 @@
               <a:rPr lang="zh-CN" altLang="en-US"/>
               <a:t>第二级</a:t>
             </a:r>
-            <a:endParaRPr lang="zh-CN" altLang="en-US"/>
           </a:p>
           <a:p>
             <a:pPr lvl="2"/>
@@ -1699,7 +1682,6 @@
               <a:rPr lang="zh-CN" altLang="en-US"/>
               <a:t>第三级</a:t>
             </a:r>
-            <a:endParaRPr lang="zh-CN" altLang="en-US"/>
           </a:p>
           <a:p>
             <a:pPr lvl="3"/>
@@ -1707,7 +1689,6 @@
               <a:rPr lang="zh-CN" altLang="en-US"/>
               <a:t>第四级</a:t>
             </a:r>
-            <a:endParaRPr lang="zh-CN" altLang="en-US"/>
           </a:p>
           <a:p>
             <a:pPr lvl="4"/>
@@ -1715,7 +1696,6 @@
               <a:rPr lang="zh-CN" altLang="en-US"/>
               <a:t>第五级</a:t>
             </a:r>
-            <a:endParaRPr lang="zh-CN" altLang="en-US"/>
           </a:p>
         </p:txBody>
       </p:sp>
@@ -1736,6 +1716,7 @@
           <a:p>
             <a:fld id="{882CB276-7D8B-4D6B-9BF7-43AB421A4C2B}" type="datetimeFigureOut">
               <a:rPr lang="zh-CN" altLang="en-US" smtClean="0"/>
+              <a:t>2020/6/12</a:t>
             </a:fld>
             <a:endParaRPr lang="zh-CN" altLang="en-US"/>
           </a:p>
@@ -1777,6 +1758,7 @@
           <a:p>
             <a:fld id="{09E178D6-B1F5-4B95-86EC-42DA8F8B10E4}" type="slidenum">
               <a:rPr lang="zh-CN" altLang="en-US" smtClean="0"/>
+              <a:t>‹#›</a:t>
             </a:fld>
             <a:endParaRPr lang="zh-CN" altLang="en-US"/>
           </a:p>
@@ -1831,7 +1813,6 @@
               <a:rPr lang="zh-CN" altLang="en-US"/>
               <a:t>单击此处编辑母版标题样式</a:t>
             </a:r>
-            <a:endParaRPr lang="zh-CN" altLang="en-US"/>
           </a:p>
         </p:txBody>
       </p:sp>
@@ -1897,7 +1878,6 @@
               <a:rPr lang="zh-CN" altLang="en-US"/>
               <a:t>编辑母版文本样式</a:t>
             </a:r>
-            <a:endParaRPr lang="zh-CN" altLang="en-US"/>
           </a:p>
         </p:txBody>
       </p:sp>
@@ -1926,7 +1906,6 @@
               <a:rPr lang="zh-CN" altLang="en-US"/>
               <a:t>编辑母版文本样式</a:t>
             </a:r>
-            <a:endParaRPr lang="zh-CN" altLang="en-US"/>
           </a:p>
           <a:p>
             <a:pPr lvl="1"/>
@@ -1934,7 +1913,6 @@
               <a:rPr lang="zh-CN" altLang="en-US"/>
               <a:t>第二级</a:t>
             </a:r>
-            <a:endParaRPr lang="zh-CN" altLang="en-US"/>
           </a:p>
           <a:p>
             <a:pPr lvl="2"/>
@@ -1942,7 +1920,6 @@
               <a:rPr lang="zh-CN" altLang="en-US"/>
               <a:t>第三级</a:t>
             </a:r>
-            <a:endParaRPr lang="zh-CN" altLang="en-US"/>
           </a:p>
           <a:p>
             <a:pPr lvl="3"/>
@@ -1950,7 +1927,6 @@
               <a:rPr lang="zh-CN" altLang="en-US"/>
               <a:t>第四级</a:t>
             </a:r>
-            <a:endParaRPr lang="zh-CN" altLang="en-US"/>
           </a:p>
           <a:p>
             <a:pPr lvl="4"/>
@@ -1958,7 +1934,6 @@
               <a:rPr lang="zh-CN" altLang="en-US"/>
               <a:t>第五级</a:t>
             </a:r>
-            <a:endParaRPr lang="zh-CN" altLang="en-US"/>
           </a:p>
         </p:txBody>
       </p:sp>
@@ -2024,7 +1999,6 @@
               <a:rPr lang="zh-CN" altLang="en-US"/>
               <a:t>编辑母版文本样式</a:t>
             </a:r>
-            <a:endParaRPr lang="zh-CN" altLang="en-US"/>
           </a:p>
         </p:txBody>
       </p:sp>
@@ -2053,7 +2027,6 @@
               <a:rPr lang="zh-CN" altLang="en-US"/>
               <a:t>编辑母版文本样式</a:t>
             </a:r>
-            <a:endParaRPr lang="zh-CN" altLang="en-US"/>
           </a:p>
           <a:p>
             <a:pPr lvl="1"/>
@@ -2061,7 +2034,6 @@
               <a:rPr lang="zh-CN" altLang="en-US"/>
               <a:t>第二级</a:t>
             </a:r>
-            <a:endParaRPr lang="zh-CN" altLang="en-US"/>
           </a:p>
           <a:p>
             <a:pPr lvl="2"/>
@@ -2069,7 +2041,6 @@
               <a:rPr lang="zh-CN" altLang="en-US"/>
               <a:t>第三级</a:t>
             </a:r>
-            <a:endParaRPr lang="zh-CN" altLang="en-US"/>
           </a:p>
           <a:p>
             <a:pPr lvl="3"/>
@@ -2077,7 +2048,6 @@
               <a:rPr lang="zh-CN" altLang="en-US"/>
               <a:t>第四级</a:t>
             </a:r>
-            <a:endParaRPr lang="zh-CN" altLang="en-US"/>
           </a:p>
           <a:p>
             <a:pPr lvl="4"/>
@@ -2085,7 +2055,6 @@
               <a:rPr lang="zh-CN" altLang="en-US"/>
               <a:t>第五级</a:t>
             </a:r>
-            <a:endParaRPr lang="zh-CN" altLang="en-US"/>
           </a:p>
         </p:txBody>
       </p:sp>
@@ -2106,6 +2075,7 @@
           <a:p>
             <a:fld id="{882CB276-7D8B-4D6B-9BF7-43AB421A4C2B}" type="datetimeFigureOut">
               <a:rPr lang="zh-CN" altLang="en-US" smtClean="0"/>
+              <a:t>2020/6/12</a:t>
             </a:fld>
             <a:endParaRPr lang="zh-CN" altLang="en-US"/>
           </a:p>
@@ -2147,6 +2117,7 @@
           <a:p>
             <a:fld id="{09E178D6-B1F5-4B95-86EC-42DA8F8B10E4}" type="slidenum">
               <a:rPr lang="zh-CN" altLang="en-US" smtClean="0"/>
+              <a:t>‹#›</a:t>
             </a:fld>
             <a:endParaRPr lang="zh-CN" altLang="en-US"/>
           </a:p>
@@ -2196,7 +2167,6 @@
               <a:rPr lang="zh-CN" altLang="en-US"/>
               <a:t>单击此处编辑母版标题样式</a:t>
             </a:r>
-            <a:endParaRPr lang="zh-CN" altLang="en-US"/>
           </a:p>
         </p:txBody>
       </p:sp>
@@ -2217,6 +2187,7 @@
           <a:p>
             <a:fld id="{882CB276-7D8B-4D6B-9BF7-43AB421A4C2B}" type="datetimeFigureOut">
               <a:rPr lang="zh-CN" altLang="en-US" smtClean="0"/>
+              <a:t>2020/6/12</a:t>
             </a:fld>
             <a:endParaRPr lang="zh-CN" altLang="en-US"/>
           </a:p>
@@ -2258,6 +2229,7 @@
           <a:p>
             <a:fld id="{09E178D6-B1F5-4B95-86EC-42DA8F8B10E4}" type="slidenum">
               <a:rPr lang="zh-CN" altLang="en-US" smtClean="0"/>
+              <a:t>‹#›</a:t>
             </a:fld>
             <a:endParaRPr lang="zh-CN" altLang="en-US"/>
           </a:p>
@@ -2305,6 +2277,7 @@
           <a:p>
             <a:fld id="{882CB276-7D8B-4D6B-9BF7-43AB421A4C2B}" type="datetimeFigureOut">
               <a:rPr lang="zh-CN" altLang="en-US" smtClean="0"/>
+              <a:t>2020/6/12</a:t>
             </a:fld>
             <a:endParaRPr lang="zh-CN" altLang="en-US"/>
           </a:p>
@@ -2346,6 +2319,7 @@
           <a:p>
             <a:fld id="{09E178D6-B1F5-4B95-86EC-42DA8F8B10E4}" type="slidenum">
               <a:rPr lang="zh-CN" altLang="en-US" smtClean="0"/>
+              <a:t>‹#›</a:t>
             </a:fld>
             <a:endParaRPr lang="zh-CN" altLang="en-US"/>
           </a:p>
@@ -2404,7 +2378,6 @@
               <a:rPr lang="zh-CN" altLang="en-US"/>
               <a:t>单击此处编辑母版标题样式</a:t>
             </a:r>
-            <a:endParaRPr lang="zh-CN" altLang="en-US"/>
           </a:p>
         </p:txBody>
       </p:sp>
@@ -2461,7 +2434,6 @@
               <a:rPr lang="zh-CN" altLang="en-US"/>
               <a:t>编辑母版文本样式</a:t>
             </a:r>
-            <a:endParaRPr lang="zh-CN" altLang="en-US"/>
           </a:p>
           <a:p>
             <a:pPr lvl="1"/>
@@ -2469,7 +2441,6 @@
               <a:rPr lang="zh-CN" altLang="en-US"/>
               <a:t>第二级</a:t>
             </a:r>
-            <a:endParaRPr lang="zh-CN" altLang="en-US"/>
           </a:p>
           <a:p>
             <a:pPr lvl="2"/>
@@ -2477,7 +2448,6 @@
               <a:rPr lang="zh-CN" altLang="en-US"/>
               <a:t>第三级</a:t>
             </a:r>
-            <a:endParaRPr lang="zh-CN" altLang="en-US"/>
           </a:p>
           <a:p>
             <a:pPr lvl="3"/>
@@ -2485,7 +2455,6 @@
               <a:rPr lang="zh-CN" altLang="en-US"/>
               <a:t>第四级</a:t>
             </a:r>
-            <a:endParaRPr lang="zh-CN" altLang="en-US"/>
           </a:p>
           <a:p>
             <a:pPr lvl="4"/>
@@ -2493,7 +2462,6 @@
               <a:rPr lang="zh-CN" altLang="en-US"/>
               <a:t>第五级</a:t>
             </a:r>
-            <a:endParaRPr lang="zh-CN" altLang="en-US"/>
           </a:p>
         </p:txBody>
       </p:sp>
@@ -2559,7 +2527,6 @@
               <a:rPr lang="zh-CN" altLang="en-US"/>
               <a:t>编辑母版文本样式</a:t>
             </a:r>
-            <a:endParaRPr lang="zh-CN" altLang="en-US"/>
           </a:p>
         </p:txBody>
       </p:sp>
@@ -2580,6 +2547,7 @@
           <a:p>
             <a:fld id="{882CB276-7D8B-4D6B-9BF7-43AB421A4C2B}" type="datetimeFigureOut">
               <a:rPr lang="zh-CN" altLang="en-US" smtClean="0"/>
+              <a:t>2020/6/12</a:t>
             </a:fld>
             <a:endParaRPr lang="zh-CN" altLang="en-US"/>
           </a:p>
@@ -2621,6 +2589,7 @@
           <a:p>
             <a:fld id="{09E178D6-B1F5-4B95-86EC-42DA8F8B10E4}" type="slidenum">
               <a:rPr lang="zh-CN" altLang="en-US" smtClean="0"/>
+              <a:t>‹#›</a:t>
             </a:fld>
             <a:endParaRPr lang="zh-CN" altLang="en-US"/>
           </a:p>
@@ -2679,7 +2648,6 @@
               <a:rPr lang="zh-CN" altLang="en-US"/>
               <a:t>单击此处编辑母版标题样式</a:t>
             </a:r>
-            <a:endParaRPr lang="zh-CN" altLang="en-US"/>
           </a:p>
         </p:txBody>
       </p:sp>
@@ -2806,7 +2774,6 @@
               <a:rPr lang="zh-CN" altLang="en-US"/>
               <a:t>编辑母版文本样式</a:t>
             </a:r>
-            <a:endParaRPr lang="zh-CN" altLang="en-US"/>
           </a:p>
         </p:txBody>
       </p:sp>
@@ -2827,6 +2794,7 @@
           <a:p>
             <a:fld id="{882CB276-7D8B-4D6B-9BF7-43AB421A4C2B}" type="datetimeFigureOut">
               <a:rPr lang="zh-CN" altLang="en-US" smtClean="0"/>
+              <a:t>2020/6/12</a:t>
             </a:fld>
             <a:endParaRPr lang="zh-CN" altLang="en-US"/>
           </a:p>
@@ -2868,6 +2836,7 @@
           <a:p>
             <a:fld id="{09E178D6-B1F5-4B95-86EC-42DA8F8B10E4}" type="slidenum">
               <a:rPr lang="zh-CN" altLang="en-US" smtClean="0"/>
+              <a:t>‹#›</a:t>
             </a:fld>
             <a:endParaRPr lang="zh-CN" altLang="en-US"/>
           </a:p>
@@ -2932,7 +2901,6 @@
               <a:rPr lang="zh-CN" altLang="en-US"/>
               <a:t>单击此处编辑母版标题样式</a:t>
             </a:r>
-            <a:endParaRPr lang="zh-CN" altLang="en-US"/>
           </a:p>
         </p:txBody>
       </p:sp>
@@ -2966,7 +2934,6 @@
               <a:rPr lang="zh-CN" altLang="en-US"/>
               <a:t>编辑母版文本样式</a:t>
             </a:r>
-            <a:endParaRPr lang="zh-CN" altLang="en-US"/>
           </a:p>
           <a:p>
             <a:pPr lvl="1"/>
@@ -2974,7 +2941,6 @@
               <a:rPr lang="zh-CN" altLang="en-US"/>
               <a:t>第二级</a:t>
             </a:r>
-            <a:endParaRPr lang="zh-CN" altLang="en-US"/>
           </a:p>
           <a:p>
             <a:pPr lvl="2"/>
@@ -2982,7 +2948,6 @@
               <a:rPr lang="zh-CN" altLang="en-US"/>
               <a:t>第三级</a:t>
             </a:r>
-            <a:endParaRPr lang="zh-CN" altLang="en-US"/>
           </a:p>
           <a:p>
             <a:pPr lvl="3"/>
@@ -2990,7 +2955,6 @@
               <a:rPr lang="zh-CN" altLang="en-US"/>
               <a:t>第四级</a:t>
             </a:r>
-            <a:endParaRPr lang="zh-CN" altLang="en-US"/>
           </a:p>
           <a:p>
             <a:pPr lvl="4"/>
@@ -2998,7 +2962,6 @@
               <a:rPr lang="zh-CN" altLang="en-US"/>
               <a:t>第五级</a:t>
             </a:r>
-            <a:endParaRPr lang="zh-CN" altLang="en-US"/>
           </a:p>
         </p:txBody>
       </p:sp>
@@ -3037,6 +3000,7 @@
           <a:p>
             <a:fld id="{882CB276-7D8B-4D6B-9BF7-43AB421A4C2B}" type="datetimeFigureOut">
               <a:rPr lang="zh-CN" altLang="en-US" smtClean="0"/>
+              <a:t>2020/6/12</a:t>
             </a:fld>
             <a:endParaRPr lang="zh-CN" altLang="en-US"/>
           </a:p>
@@ -3114,6 +3078,7 @@
           <a:p>
             <a:fld id="{09E178D6-B1F5-4B95-86EC-42DA8F8B10E4}" type="slidenum">
               <a:rPr lang="zh-CN" altLang="en-US" smtClean="0"/>
+              <a:t>‹#›</a:t>
             </a:fld>
             <a:endParaRPr lang="zh-CN" altLang="en-US"/>
           </a:p>
@@ -3576,10 +3541,6 @@
               </a:rPr>
               <a:t>结算组单据电子审核关键点总结</a:t>
             </a:r>
-            <a:endParaRPr lang="zh-CN" altLang="en-US" sz="3600" b="1" dirty="0">
-              <a:cs typeface="+mn-ea"/>
-              <a:sym typeface="+mn-lt"/>
-            </a:endParaRPr>
           </a:p>
         </p:txBody>
       </p:sp>
@@ -4081,11 +4042,6 @@
               </a:rPr>
               <a:t>介入诊疗科</a:t>
             </a:r>
-            <a:endParaRPr lang="zh-CN" altLang="en-US" sz="3000" b="1" dirty="0">
-              <a:ea typeface="宋体" panose="02010600030101010101" pitchFamily="2" charset="-122"/>
-              <a:cs typeface="+mn-ea"/>
-              <a:sym typeface="+mn-lt"/>
-            </a:endParaRPr>
           </a:p>
         </p:txBody>
       </p:sp>
@@ -4109,6 +4065,7 @@
           <a:bodyPr wrap="square" rtlCol="0">
             <a:spAutoFit/>
           </a:bodyPr>
+          <a:lstStyle/>
           <a:p>
             <a:pPr algn="ctr">
               <a:lnSpc>
@@ -4130,11 +4087,6 @@
               </a:rPr>
               <a:t>清单上的标签码必须与反面粘贴的条形标签码一致且数量相同</a:t>
             </a:r>
-            <a:endParaRPr lang="zh-CN" altLang="en-US" sz="2000" dirty="0">
-              <a:ea typeface="宋体" panose="02010600030101010101" pitchFamily="2" charset="-122"/>
-              <a:cs typeface="+mn-ea"/>
-              <a:sym typeface="+mn-lt"/>
-            </a:endParaRPr>
           </a:p>
           <a:p>
             <a:pPr algn="ctr">
@@ -4170,11 +4122,6 @@
               </a:rPr>
               <a:t>高值耗材使用清单必须有手术医生、护士及跟台人员签字</a:t>
             </a:r>
-            <a:endParaRPr lang="zh-CN" altLang="en-US" sz="2000" dirty="0">
-              <a:ea typeface="宋体" panose="02010600030101010101" pitchFamily="2" charset="-122"/>
-              <a:cs typeface="+mn-ea"/>
-              <a:sym typeface="+mn-lt"/>
-            </a:endParaRPr>
           </a:p>
         </p:txBody>
       </p:sp>
@@ -4187,7 +4134,7 @@
           <p:nvPr/>
         </p:nvPicPr>
         <p:blipFill>
-          <a:blip r:embed="rId1"/>
+          <a:blip r:embed="rId2"/>
           <a:stretch>
             <a:fillRect/>
           </a:stretch>
@@ -4211,7 +4158,7 @@
           <p:nvPr/>
         </p:nvPicPr>
         <p:blipFill>
-          <a:blip r:embed="rId2"/>
+          <a:blip r:embed="rId3"/>
           <a:stretch>
             <a:fillRect/>
           </a:stretch>
@@ -4591,11 +4538,6 @@
               </a:rPr>
               <a:t>麻醉记账单</a:t>
             </a:r>
-            <a:endParaRPr lang="zh-CN" altLang="en-US" sz="3000" b="1" dirty="0">
-              <a:ea typeface="宋体" panose="02010600030101010101" pitchFamily="2" charset="-122"/>
-              <a:cs typeface="+mn-ea"/>
-              <a:sym typeface="+mn-lt"/>
-            </a:endParaRPr>
           </a:p>
         </p:txBody>
       </p:sp>
@@ -4619,6 +4561,7 @@
           <a:bodyPr wrap="square" rtlCol="0">
             <a:spAutoFit/>
           </a:bodyPr>
+          <a:lstStyle/>
           <a:p>
             <a:pPr algn="ctr">
               <a:lnSpc>
@@ -4640,11 +4583,6 @@
               </a:rPr>
               <a:t>清单上的标签码必须与计费登记单粘贴的条形标签码一致且数量相同</a:t>
             </a:r>
-            <a:endParaRPr lang="zh-CN" altLang="en-US" sz="2000" dirty="0">
-              <a:ea typeface="宋体" panose="02010600030101010101" pitchFamily="2" charset="-122"/>
-              <a:cs typeface="+mn-ea"/>
-              <a:sym typeface="+mn-lt"/>
-            </a:endParaRPr>
           </a:p>
           <a:p>
             <a:pPr algn="ctr">
@@ -4680,11 +4618,6 @@
               </a:rPr>
               <a:t>麻醉记账单上的病人信息必须与高值耗材使用清单上的病人信息一致</a:t>
             </a:r>
-            <a:endParaRPr lang="zh-CN" altLang="en-US" sz="2000" dirty="0">
-              <a:ea typeface="宋体" panose="02010600030101010101" pitchFamily="2" charset="-122"/>
-              <a:cs typeface="+mn-ea"/>
-              <a:sym typeface="+mn-lt"/>
-            </a:endParaRPr>
           </a:p>
           <a:p>
             <a:pPr algn="ctr">
@@ -4720,11 +4653,6 @@
               </a:rPr>
               <a:t>麻醉记账单上必须有麻醉医生签字</a:t>
             </a:r>
-            <a:endParaRPr lang="zh-CN" altLang="en-US" sz="2000" dirty="0">
-              <a:ea typeface="宋体" panose="02010600030101010101" pitchFamily="2" charset="-122"/>
-              <a:cs typeface="+mn-ea"/>
-              <a:sym typeface="+mn-lt"/>
-            </a:endParaRPr>
           </a:p>
         </p:txBody>
       </p:sp>
@@ -4737,7 +4665,7 @@
           <p:nvPr/>
         </p:nvPicPr>
         <p:blipFill>
-          <a:blip r:embed="rId1"/>
+          <a:blip r:embed="rId2"/>
           <a:stretch>
             <a:fillRect/>
           </a:stretch>
@@ -4761,7 +4689,7 @@
           <p:nvPr/>
         </p:nvPicPr>
         <p:blipFill>
-          <a:blip r:embed="rId2"/>
+          <a:blip r:embed="rId3"/>
           <a:stretch>
             <a:fillRect/>
           </a:stretch>
@@ -5105,11 +5033,6 @@
               </a:rPr>
               <a:t>跟台人体植入物使用清单</a:t>
             </a:r>
-            <a:endParaRPr lang="zh-CN" altLang="en-US" sz="3000" b="1" dirty="0">
-              <a:ea typeface="宋体" panose="02010600030101010101" pitchFamily="2" charset="-122"/>
-              <a:cs typeface="+mn-ea"/>
-              <a:sym typeface="+mn-lt"/>
-            </a:endParaRPr>
           </a:p>
         </p:txBody>
       </p:sp>
@@ -5133,6 +5056,7 @@
           <a:bodyPr wrap="square" rtlCol="0">
             <a:spAutoFit/>
           </a:bodyPr>
+          <a:lstStyle/>
           <a:p>
             <a:pPr algn="ctr">
               <a:lnSpc>
@@ -5154,11 +5078,6 @@
               </a:rPr>
               <a:t>清单上的标签码必须与跟台人体植入物使用清单粘贴的条形标签码一致且数量相同</a:t>
             </a:r>
-            <a:endParaRPr lang="zh-CN" altLang="en-US" sz="2000" dirty="0">
-              <a:ea typeface="宋体" panose="02010600030101010101" pitchFamily="2" charset="-122"/>
-              <a:cs typeface="+mn-ea"/>
-              <a:sym typeface="+mn-lt"/>
-            </a:endParaRPr>
           </a:p>
           <a:p>
             <a:pPr algn="ctr">
@@ -5194,11 +5113,6 @@
               </a:rPr>
               <a:t>麻醉记账单上的病人信息必须与高值耗材使用清单上的病人信息一致</a:t>
             </a:r>
-            <a:endParaRPr lang="zh-CN" altLang="en-US" sz="2000" dirty="0">
-              <a:ea typeface="宋体" panose="02010600030101010101" pitchFamily="2" charset="-122"/>
-              <a:cs typeface="+mn-ea"/>
-              <a:sym typeface="+mn-lt"/>
-            </a:endParaRPr>
           </a:p>
           <a:p>
             <a:pPr algn="ctr">
@@ -5238,11 +5152,6 @@
               </a:rPr>
               <a:t>交接人、手术护士、供应商签字</a:t>
             </a:r>
-            <a:endParaRPr lang="zh-CN" altLang="en-US" sz="2000" dirty="0">
-              <a:ea typeface="宋体" panose="02010600030101010101" pitchFamily="2" charset="-122"/>
-              <a:cs typeface="+mn-ea"/>
-              <a:sym typeface="+mn-lt"/>
-            </a:endParaRPr>
           </a:p>
         </p:txBody>
       </p:sp>
@@ -5255,7 +5164,7 @@
           <p:nvPr/>
         </p:nvPicPr>
         <p:blipFill>
-          <a:blip r:embed="rId1"/>
+          <a:blip r:embed="rId2"/>
           <a:stretch>
             <a:fillRect/>
           </a:stretch>
@@ -5641,11 +5550,6 @@
                 </a:rPr>
                 <a:t>科室日清单</a:t>
               </a:r>
-              <a:endParaRPr lang="zh-CN" altLang="en-US" sz="3200" b="1" dirty="0">
-                <a:ea typeface="宋体" panose="02010600030101010101" pitchFamily="2" charset="-122"/>
-                <a:cs typeface="+mn-ea"/>
-                <a:sym typeface="+mn-lt"/>
-              </a:endParaRPr>
             </a:p>
           </p:txBody>
         </p:sp>
@@ -5999,11 +5903,6 @@
               </a:rPr>
               <a:t>科室日清单</a:t>
             </a:r>
-            <a:endParaRPr lang="zh-CN" altLang="en-US" sz="3000" b="1" dirty="0">
-              <a:ea typeface="宋体" panose="02010600030101010101" pitchFamily="2" charset="-122"/>
-              <a:cs typeface="+mn-ea"/>
-              <a:sym typeface="+mn-lt"/>
-            </a:endParaRPr>
           </a:p>
         </p:txBody>
       </p:sp>
@@ -6027,6 +5926,7 @@
           <a:bodyPr wrap="square" rtlCol="0">
             <a:spAutoFit/>
           </a:bodyPr>
+          <a:lstStyle/>
           <a:p>
             <a:pPr algn="ctr">
               <a:lnSpc>
@@ -6080,11 +5980,6 @@
               </a:rPr>
               <a:t>总金额、合计金额  </a:t>
             </a:r>
-            <a:endParaRPr lang="zh-CN" altLang="en-US" sz="2000" dirty="0">
-              <a:ea typeface="宋体" panose="02010600030101010101" pitchFamily="2" charset="-122"/>
-              <a:cs typeface="+mn-ea"/>
-              <a:sym typeface="+mn-lt"/>
-            </a:endParaRPr>
           </a:p>
           <a:p>
             <a:pPr algn="ctr">
@@ -6124,11 +6019,6 @@
               </a:rPr>
               <a:t>科室盖章</a:t>
             </a:r>
-            <a:endParaRPr lang="zh-CN" altLang="en-US" sz="2000" dirty="0">
-              <a:ea typeface="宋体" panose="02010600030101010101" pitchFamily="2" charset="-122"/>
-              <a:cs typeface="+mn-ea"/>
-              <a:sym typeface="+mn-lt"/>
-            </a:endParaRPr>
           </a:p>
           <a:p>
             <a:pPr algn="ctr">
@@ -6144,11 +6034,6 @@
               </a:rPr>
               <a:t> </a:t>
             </a:r>
-            <a:endParaRPr lang="zh-CN" altLang="en-US" sz="2000" dirty="0">
-              <a:ea typeface="宋体" panose="02010600030101010101" pitchFamily="2" charset="-122"/>
-              <a:cs typeface="+mn-ea"/>
-              <a:sym typeface="+mn-lt"/>
-            </a:endParaRPr>
           </a:p>
         </p:txBody>
       </p:sp>
@@ -6161,7 +6046,7 @@
           <p:nvPr/>
         </p:nvPicPr>
         <p:blipFill>
-          <a:blip r:embed="rId1"/>
+          <a:blip r:embed="rId2"/>
           <a:stretch>
             <a:fillRect/>
           </a:stretch>
@@ -6551,11 +6436,6 @@
                 </a:rPr>
                 <a:t>采购退货单</a:t>
               </a:r>
-              <a:endParaRPr lang="zh-CN" altLang="en-US" sz="3200" b="1" dirty="0">
-                <a:ea typeface="宋体" panose="02010600030101010101" pitchFamily="2" charset="-122"/>
-                <a:cs typeface="+mn-ea"/>
-                <a:sym typeface="+mn-lt"/>
-              </a:endParaRPr>
             </a:p>
           </p:txBody>
         </p:sp>
@@ -6909,11 +6789,6 @@
               </a:rPr>
               <a:t>采购退货单</a:t>
             </a:r>
-            <a:endParaRPr lang="zh-CN" altLang="en-US" sz="3000" b="1" dirty="0">
-              <a:ea typeface="宋体" panose="02010600030101010101" pitchFamily="2" charset="-122"/>
-              <a:cs typeface="+mn-ea"/>
-              <a:sym typeface="+mn-lt"/>
-            </a:endParaRPr>
           </a:p>
         </p:txBody>
       </p:sp>
@@ -6937,6 +6812,7 @@
           <a:bodyPr wrap="square" rtlCol="0">
             <a:spAutoFit/>
           </a:bodyPr>
+          <a:lstStyle/>
           <a:p>
             <a:pPr algn="ctr">
               <a:lnSpc>
@@ -6990,11 +6866,6 @@
               </a:rPr>
               <a:t>总金额  </a:t>
             </a:r>
-            <a:endParaRPr lang="zh-CN" altLang="en-US" sz="2000" dirty="0">
-              <a:ea typeface="宋体" panose="02010600030101010101" pitchFamily="2" charset="-122"/>
-              <a:cs typeface="+mn-ea"/>
-              <a:sym typeface="+mn-lt"/>
-            </a:endParaRPr>
           </a:p>
           <a:p>
             <a:pPr algn="ctr">
@@ -7034,11 +6905,6 @@
               </a:rPr>
               <a:t>仓管员、供应商签字</a:t>
             </a:r>
-            <a:endParaRPr lang="zh-CN" altLang="en-US" sz="2000" dirty="0">
-              <a:ea typeface="宋体" panose="02010600030101010101" pitchFamily="2" charset="-122"/>
-              <a:cs typeface="+mn-ea"/>
-              <a:sym typeface="+mn-lt"/>
-            </a:endParaRPr>
           </a:p>
           <a:p>
             <a:pPr algn="ctr">
@@ -7054,11 +6920,6 @@
               </a:rPr>
               <a:t>    </a:t>
             </a:r>
-            <a:endParaRPr lang="zh-CN" altLang="en-US" sz="2000" dirty="0">
-              <a:ea typeface="宋体" panose="02010600030101010101" pitchFamily="2" charset="-122"/>
-              <a:cs typeface="+mn-ea"/>
-              <a:sym typeface="+mn-lt"/>
-            </a:endParaRPr>
           </a:p>
           <a:p>
             <a:pPr algn="ctr">
@@ -7083,7 +6944,7 @@
           <p:nvPr/>
         </p:nvPicPr>
         <p:blipFill>
-          <a:blip r:embed="rId1"/>
+          <a:blip r:embed="rId2"/>
           <a:stretch>
             <a:fillRect/>
           </a:stretch>
@@ -7473,11 +7334,6 @@
                 </a:rPr>
                 <a:t>供应商发票</a:t>
               </a:r>
-              <a:endParaRPr lang="zh-CN" altLang="en-US" sz="3200" b="1" dirty="0">
-                <a:ea typeface="宋体" panose="02010600030101010101" pitchFamily="2" charset="-122"/>
-                <a:cs typeface="+mn-ea"/>
-                <a:sym typeface="+mn-lt"/>
-              </a:endParaRPr>
             </a:p>
           </p:txBody>
         </p:sp>
@@ -7831,11 +7687,6 @@
               </a:rPr>
               <a:t>供应商服务费发票</a:t>
             </a:r>
-            <a:endParaRPr lang="zh-CN" altLang="en-US" sz="3000" b="1" dirty="0">
-              <a:ea typeface="宋体" panose="02010600030101010101" pitchFamily="2" charset="-122"/>
-              <a:cs typeface="+mn-ea"/>
-              <a:sym typeface="+mn-lt"/>
-            </a:endParaRPr>
           </a:p>
         </p:txBody>
       </p:sp>
@@ -7859,6 +7710,7 @@
           <a:bodyPr wrap="square" rtlCol="0">
             <a:spAutoFit/>
           </a:bodyPr>
+          <a:lstStyle/>
           <a:p>
             <a:pPr algn="ctr">
               <a:lnSpc>
@@ -7880,11 +7732,6 @@
               </a:rPr>
               <a:t>发票代码</a:t>
             </a:r>
-            <a:endParaRPr lang="zh-CN" altLang="en-US" sz="2000" dirty="0">
-              <a:ea typeface="宋体" panose="02010600030101010101" pitchFamily="2" charset="-122"/>
-              <a:cs typeface="+mn-ea"/>
-              <a:sym typeface="+mn-lt"/>
-            </a:endParaRPr>
           </a:p>
           <a:p>
             <a:pPr algn="ctr">
@@ -7900,11 +7747,6 @@
               </a:rPr>
               <a:t> </a:t>
             </a:r>
-            <a:endParaRPr lang="zh-CN" altLang="en-US" sz="2000" dirty="0">
-              <a:ea typeface="宋体" panose="02010600030101010101" pitchFamily="2" charset="-122"/>
-              <a:cs typeface="+mn-ea"/>
-              <a:sym typeface="+mn-lt"/>
-            </a:endParaRPr>
           </a:p>
           <a:p>
             <a:pPr algn="ctr">
@@ -7936,11 +7778,6 @@
               </a:rPr>
               <a:t>发票号</a:t>
             </a:r>
-            <a:endParaRPr lang="zh-CN" altLang="en-US" sz="2000" dirty="0">
-              <a:ea typeface="宋体" panose="02010600030101010101" pitchFamily="2" charset="-122"/>
-              <a:cs typeface="+mn-ea"/>
-              <a:sym typeface="+mn-lt"/>
-            </a:endParaRPr>
           </a:p>
           <a:p>
             <a:pPr algn="ctr">
@@ -7956,11 +7793,6 @@
               </a:rPr>
               <a:t>  </a:t>
             </a:r>
-            <a:endParaRPr lang="zh-CN" altLang="en-US" sz="2000" dirty="0">
-              <a:ea typeface="宋体" panose="02010600030101010101" pitchFamily="2" charset="-122"/>
-              <a:cs typeface="+mn-ea"/>
-              <a:sym typeface="+mn-lt"/>
-            </a:endParaRPr>
           </a:p>
           <a:p>
             <a:pPr algn="ctr">
@@ -7984,11 +7816,6 @@
               </a:rPr>
               <a:t>发票金额  </a:t>
             </a:r>
-            <a:endParaRPr lang="zh-CN" altLang="en-US" sz="2000" dirty="0">
-              <a:ea typeface="宋体" panose="02010600030101010101" pitchFamily="2" charset="-122"/>
-              <a:cs typeface="+mn-ea"/>
-              <a:sym typeface="+mn-lt"/>
-            </a:endParaRPr>
           </a:p>
           <a:p>
             <a:pPr algn="ctr">
@@ -8022,21 +7849,8 @@
                 <a:cs typeface="+mn-ea"/>
                 <a:sym typeface="+mn-lt"/>
               </a:rPr>
-              <a:t>发票章（发票章不可挡住发票金额）</a:t>
-            </a:r>
-            <a:r>
-              <a:rPr lang="zh-CN" altLang="en-US" sz="2000" dirty="0">
-                <a:ea typeface="宋体" panose="02010600030101010101" pitchFamily="2" charset="-122"/>
-                <a:cs typeface="+mn-ea"/>
-                <a:sym typeface="+mn-lt"/>
-              </a:rPr>
-              <a:t> </a:t>
-            </a:r>
-            <a:endParaRPr lang="zh-CN" altLang="en-US" sz="2000" dirty="0">
-              <a:ea typeface="宋体" panose="02010600030101010101" pitchFamily="2" charset="-122"/>
-              <a:cs typeface="+mn-ea"/>
-              <a:sym typeface="+mn-lt"/>
-            </a:endParaRPr>
+              <a:t>发票章（发票章不可挡住发票金额） </a:t>
+            </a:r>
           </a:p>
           <a:p>
             <a:pPr algn="ctr">
@@ -8072,11 +7886,6 @@
               </a:rPr>
               <a:t>必须是发票联</a:t>
             </a:r>
-            <a:endParaRPr lang="zh-CN" altLang="en-US" sz="2000" dirty="0">
-              <a:ea typeface="宋体" panose="02010600030101010101" pitchFamily="2" charset="-122"/>
-              <a:cs typeface="+mn-ea"/>
-              <a:sym typeface="+mn-lt"/>
-            </a:endParaRPr>
           </a:p>
           <a:p>
             <a:pPr algn="ctr">
@@ -8092,11 +7901,6 @@
               </a:rPr>
               <a:t>    </a:t>
             </a:r>
-            <a:endParaRPr lang="zh-CN" altLang="en-US" sz="2000" dirty="0">
-              <a:ea typeface="宋体" panose="02010600030101010101" pitchFamily="2" charset="-122"/>
-              <a:cs typeface="+mn-ea"/>
-              <a:sym typeface="+mn-lt"/>
-            </a:endParaRPr>
           </a:p>
           <a:p>
             <a:pPr algn="ctr">
@@ -8121,7 +7925,7 @@
           <p:nvPr/>
         </p:nvPicPr>
         <p:blipFill>
-          <a:blip r:embed="rId1"/>
+          <a:blip r:embed="rId2"/>
           <a:stretch>
             <a:fillRect/>
           </a:stretch>
@@ -8294,10 +8098,6 @@
               </a:rPr>
               <a:t>谢谢观看</a:t>
             </a:r>
-            <a:endParaRPr lang="zh-CN" altLang="en-US" sz="8000" b="1" dirty="0">
-              <a:cs typeface="+mn-ea"/>
-              <a:sym typeface="+mn-lt"/>
-            </a:endParaRPr>
           </a:p>
         </p:txBody>
       </p:sp>
@@ -8655,11 +8455,6 @@
               </a:rPr>
               <a:t>入库单</a:t>
             </a:r>
-            <a:endParaRPr lang="zh-CN" altLang="en-US" sz="2800" dirty="0">
-              <a:ea typeface="宋体" panose="02010600030101010101" pitchFamily="2" charset="-122"/>
-              <a:cs typeface="+mn-ea"/>
-              <a:sym typeface="+mn-lt"/>
-            </a:endParaRPr>
           </a:p>
         </p:txBody>
       </p:sp>
@@ -8794,11 +8589,6 @@
               </a:rPr>
               <a:t>出库单</a:t>
             </a:r>
-            <a:endParaRPr lang="zh-CN" altLang="en-US" sz="2800" dirty="0">
-              <a:ea typeface="宋体" panose="02010600030101010101" pitchFamily="2" charset="-122"/>
-              <a:cs typeface="+mn-ea"/>
-              <a:sym typeface="+mn-lt"/>
-            </a:endParaRPr>
           </a:p>
         </p:txBody>
       </p:sp>
@@ -8933,11 +8723,6 @@
               </a:rPr>
               <a:t>高值耗材使用清单</a:t>
             </a:r>
-            <a:endParaRPr lang="zh-CN" altLang="en-US" sz="2800" dirty="0">
-              <a:ea typeface="宋体" panose="02010600030101010101" pitchFamily="2" charset="-122"/>
-              <a:cs typeface="+mn-ea"/>
-              <a:sym typeface="+mn-lt"/>
-            </a:endParaRPr>
           </a:p>
         </p:txBody>
       </p:sp>
@@ -9072,11 +8857,6 @@
               </a:rPr>
               <a:t>科室日清单</a:t>
             </a:r>
-            <a:endParaRPr lang="zh-CN" altLang="en-US" sz="2800" dirty="0">
-              <a:ea typeface="宋体" panose="02010600030101010101" pitchFamily="2" charset="-122"/>
-              <a:cs typeface="+mn-ea"/>
-              <a:sym typeface="+mn-lt"/>
-            </a:endParaRPr>
           </a:p>
         </p:txBody>
       </p:sp>
@@ -9429,11 +9209,6 @@
               </a:rPr>
               <a:t>采购退货单</a:t>
             </a:r>
-            <a:endParaRPr lang="zh-CN" altLang="en-US" sz="2800" dirty="0">
-              <a:ea typeface="宋体" panose="02010600030101010101" pitchFamily="2" charset="-122"/>
-              <a:cs typeface="+mn-ea"/>
-              <a:sym typeface="+mn-lt"/>
-            </a:endParaRPr>
           </a:p>
         </p:txBody>
       </p:sp>
@@ -9568,11 +9343,6 @@
               </a:rPr>
               <a:t>供应商发票</a:t>
             </a:r>
-            <a:endParaRPr lang="zh-CN" altLang="en-US" sz="2800" dirty="0">
-              <a:ea typeface="宋体" panose="02010600030101010101" pitchFamily="2" charset="-122"/>
-              <a:cs typeface="+mn-ea"/>
-              <a:sym typeface="+mn-lt"/>
-            </a:endParaRPr>
           </a:p>
         </p:txBody>
       </p:sp>
@@ -9946,10 +9716,6 @@
                 </a:rPr>
                 <a:t>入库单</a:t>
               </a:r>
-              <a:endParaRPr lang="zh-CN" altLang="en-US" sz="3200" b="1" dirty="0">
-                <a:cs typeface="+mn-ea"/>
-                <a:sym typeface="+mn-lt"/>
-              </a:endParaRPr>
             </a:p>
           </p:txBody>
         </p:sp>
@@ -10303,11 +10069,6 @@
               </a:rPr>
               <a:t>入库单</a:t>
             </a:r>
-            <a:endParaRPr lang="zh-CN" altLang="en-US" sz="3000" b="1" dirty="0">
-              <a:ea typeface="宋体" panose="02010600030101010101" pitchFamily="2" charset="-122"/>
-              <a:cs typeface="+mn-ea"/>
-              <a:sym typeface="+mn-lt"/>
-            </a:endParaRPr>
           </a:p>
         </p:txBody>
       </p:sp>
@@ -10324,7 +10085,7 @@
           </p:nvPr>
         </p:nvPicPr>
         <p:blipFill>
-          <a:blip r:embed="rId2"/>
+          <a:blip r:embed="rId3"/>
           <a:stretch>
             <a:fillRect/>
           </a:stretch>
@@ -10351,7 +10112,7 @@
         </p:nvSpPr>
         <p:spPr>
           <a:xfrm>
-            <a:off x="1871345" y="4585970"/>
+            <a:off x="1818640" y="4539932"/>
             <a:ext cx="8554720" cy="1476375"/>
           </a:xfrm>
           <a:prstGeom prst="rect">
@@ -10363,6 +10124,7 @@
           <a:bodyPr wrap="square" rtlCol="0">
             <a:spAutoFit/>
           </a:bodyPr>
+          <a:lstStyle/>
           <a:p>
             <a:pPr algn="ctr">
               <a:lnSpc>
@@ -10432,11 +10194,6 @@
               </a:rPr>
               <a:t>总金额</a:t>
             </a:r>
-            <a:endParaRPr lang="zh-CN" altLang="en-US" sz="2000" dirty="0">
-              <a:ea typeface="宋体" panose="02010600030101010101" pitchFamily="2" charset="-122"/>
-              <a:cs typeface="+mn-ea"/>
-              <a:sym typeface="+mn-lt"/>
-            </a:endParaRPr>
           </a:p>
           <a:p>
             <a:pPr algn="ctr">
@@ -10460,11 +10217,6 @@
               </a:rPr>
               <a:t>验收人、供应商、仓管员签字</a:t>
             </a:r>
-            <a:endParaRPr lang="zh-CN" altLang="en-US" sz="2000" dirty="0">
-              <a:ea typeface="宋体" panose="02010600030101010101" pitchFamily="2" charset="-122"/>
-              <a:cs typeface="+mn-ea"/>
-              <a:sym typeface="+mn-lt"/>
-            </a:endParaRPr>
           </a:p>
           <a:p>
             <a:pPr algn="ctr">
@@ -10850,10 +10602,6 @@
                 </a:rPr>
                 <a:t>出库单</a:t>
               </a:r>
-              <a:endParaRPr lang="zh-CN" altLang="en-US" sz="3200" b="1" dirty="0">
-                <a:cs typeface="+mn-ea"/>
-                <a:sym typeface="+mn-lt"/>
-              </a:endParaRPr>
             </a:p>
           </p:txBody>
         </p:sp>
@@ -11014,7 +10762,7 @@
           <a:lstStyle/>
           <a:p>
             <a:pPr algn="ctr"/>
-            <a:endParaRPr lang="en-US" sz="900">
+            <a:endParaRPr lang="en-US" sz="900" dirty="0">
               <a:cs typeface="+mn-ea"/>
               <a:sym typeface="+mn-lt"/>
             </a:endParaRPr>
@@ -11205,21 +10953,8 @@
                 <a:cs typeface="+mn-ea"/>
                 <a:sym typeface="+mn-lt"/>
               </a:rPr>
-              <a:t>出</a:t>
-            </a:r>
-            <a:r>
-              <a:rPr lang="zh-CN" altLang="en-US" sz="3000" b="1" dirty="0">
-                <a:ea typeface="宋体" panose="02010600030101010101" pitchFamily="2" charset="-122"/>
-                <a:cs typeface="+mn-ea"/>
-                <a:sym typeface="+mn-lt"/>
-              </a:rPr>
-              <a:t>库单</a:t>
-            </a:r>
-            <a:endParaRPr lang="zh-CN" altLang="en-US" sz="3000" b="1" dirty="0">
-              <a:ea typeface="宋体" panose="02010600030101010101" pitchFamily="2" charset="-122"/>
-              <a:cs typeface="+mn-ea"/>
-              <a:sym typeface="+mn-lt"/>
-            </a:endParaRPr>
+              <a:t>出库单</a:t>
+            </a:r>
           </a:p>
         </p:txBody>
       </p:sp>
@@ -11243,6 +10978,7 @@
           <a:bodyPr wrap="square" rtlCol="0">
             <a:spAutoFit/>
           </a:bodyPr>
+          <a:lstStyle/>
           <a:p>
             <a:pPr algn="ctr">
               <a:lnSpc>
@@ -11294,7 +11030,15 @@
                 <a:cs typeface="+mn-ea"/>
                 <a:sym typeface="+mn-lt"/>
               </a:rPr>
-              <a:t>出</a:t>
+              <a:t>出库单号  </a:t>
+            </a:r>
+            <a:r>
+              <a:rPr lang="en-US" altLang="zh-CN" sz="2000" dirty="0">
+                <a:ea typeface="宋体" panose="02010600030101010101" pitchFamily="2" charset="-122"/>
+                <a:cs typeface="+mn-ea"/>
+                <a:sym typeface="+mn-lt"/>
+              </a:rPr>
+              <a:t>4.</a:t>
             </a:r>
             <a:r>
               <a:rPr lang="zh-CN" altLang="en-US" sz="2000" dirty="0">
@@ -11302,29 +11046,8 @@
                 <a:cs typeface="+mn-ea"/>
                 <a:sym typeface="+mn-lt"/>
               </a:rPr>
-              <a:t>库单号  </a:t>
-            </a:r>
-            <a:r>
-              <a:rPr lang="en-US" altLang="zh-CN" sz="2000" dirty="0">
-                <a:ea typeface="宋体" panose="02010600030101010101" pitchFamily="2" charset="-122"/>
-                <a:cs typeface="+mn-ea"/>
-                <a:sym typeface="+mn-lt"/>
-              </a:rPr>
-              <a:t>4.</a:t>
-            </a:r>
-            <a:r>
-              <a:rPr lang="zh-CN" altLang="en-US" sz="2000" dirty="0">
-                <a:ea typeface="宋体" panose="02010600030101010101" pitchFamily="2" charset="-122"/>
-                <a:cs typeface="+mn-ea"/>
-                <a:sym typeface="+mn-lt"/>
-              </a:rPr>
               <a:t>总金额</a:t>
             </a:r>
-            <a:endParaRPr lang="zh-CN" altLang="en-US" sz="2000" dirty="0">
-              <a:ea typeface="宋体" panose="02010600030101010101" pitchFamily="2" charset="-122"/>
-              <a:cs typeface="+mn-ea"/>
-              <a:sym typeface="+mn-lt"/>
-            </a:endParaRPr>
           </a:p>
           <a:p>
             <a:pPr algn="ctr">
@@ -11380,11 +11103,6 @@
               </a:rPr>
               <a:t>科室盖章</a:t>
             </a:r>
-            <a:endParaRPr lang="zh-CN" altLang="en-US" sz="2000" dirty="0">
-              <a:ea typeface="宋体" panose="02010600030101010101" pitchFamily="2" charset="-122"/>
-              <a:cs typeface="+mn-ea"/>
-              <a:sym typeface="+mn-lt"/>
-            </a:endParaRPr>
           </a:p>
           <a:p>
             <a:pPr algn="ctr">
@@ -11413,7 +11131,7 @@
           </p:nvPr>
         </p:nvPicPr>
         <p:blipFill>
-          <a:blip r:embed="rId2"/>
+          <a:blip r:embed="rId3"/>
           <a:stretch>
             <a:fillRect/>
           </a:stretch>
@@ -11803,11 +11521,6 @@
                 </a:rPr>
                 <a:t>高值耗材使用清单</a:t>
               </a:r>
-              <a:endParaRPr lang="zh-CN" altLang="en-US" sz="3200" b="1" dirty="0">
-                <a:ea typeface="宋体" panose="02010600030101010101" pitchFamily="2" charset="-122"/>
-                <a:cs typeface="+mn-ea"/>
-                <a:sym typeface="+mn-lt"/>
-              </a:endParaRPr>
             </a:p>
           </p:txBody>
         </p:sp>
@@ -12161,11 +11874,6 @@
               </a:rPr>
               <a:t>高值耗材使用清单</a:t>
             </a:r>
-            <a:endParaRPr lang="zh-CN" altLang="en-US" sz="3000" b="1" dirty="0">
-              <a:ea typeface="宋体" panose="02010600030101010101" pitchFamily="2" charset="-122"/>
-              <a:cs typeface="+mn-ea"/>
-              <a:sym typeface="+mn-lt"/>
-            </a:endParaRPr>
           </a:p>
         </p:txBody>
       </p:sp>
@@ -12189,6 +11897,7 @@
           <a:bodyPr wrap="square" rtlCol="0">
             <a:spAutoFit/>
           </a:bodyPr>
+          <a:lstStyle/>
           <a:p>
             <a:pPr algn="ctr">
               <a:lnSpc>
@@ -12210,11 +11919,6 @@
               </a:rPr>
               <a:t>住院号</a:t>
             </a:r>
-            <a:endParaRPr lang="zh-CN" altLang="en-US" sz="2000" dirty="0">
-              <a:ea typeface="宋体" panose="02010600030101010101" pitchFamily="2" charset="-122"/>
-              <a:cs typeface="+mn-ea"/>
-              <a:sym typeface="+mn-lt"/>
-            </a:endParaRPr>
           </a:p>
           <a:p>
             <a:pPr algn="ctr">
@@ -12230,11 +11934,6 @@
               </a:rPr>
               <a:t>    </a:t>
             </a:r>
-            <a:endParaRPr lang="zh-CN" altLang="en-US" sz="2000" dirty="0">
-              <a:ea typeface="宋体" panose="02010600030101010101" pitchFamily="2" charset="-122"/>
-              <a:cs typeface="+mn-ea"/>
-              <a:sym typeface="+mn-lt"/>
-            </a:endParaRPr>
           </a:p>
           <a:p>
             <a:pPr algn="ctr">
@@ -12258,11 +11957,6 @@
               </a:rPr>
               <a:t>姓名</a:t>
             </a:r>
-            <a:endParaRPr lang="zh-CN" altLang="en-US" sz="2000" dirty="0">
-              <a:ea typeface="宋体" panose="02010600030101010101" pitchFamily="2" charset="-122"/>
-              <a:cs typeface="+mn-ea"/>
-              <a:sym typeface="+mn-lt"/>
-            </a:endParaRPr>
           </a:p>
           <a:p>
             <a:pPr algn="ctr">
@@ -12278,11 +11972,6 @@
               </a:rPr>
               <a:t>  </a:t>
             </a:r>
-            <a:endParaRPr lang="zh-CN" altLang="en-US" sz="2000" dirty="0">
-              <a:ea typeface="宋体" panose="02010600030101010101" pitchFamily="2" charset="-122"/>
-              <a:cs typeface="+mn-ea"/>
-              <a:sym typeface="+mn-lt"/>
-            </a:endParaRPr>
           </a:p>
           <a:p>
             <a:pPr algn="ctr">
@@ -12306,11 +11995,6 @@
               </a:rPr>
               <a:t>手术日期</a:t>
             </a:r>
-            <a:endParaRPr lang="zh-CN" altLang="en-US" sz="2000" dirty="0">
-              <a:ea typeface="宋体" panose="02010600030101010101" pitchFamily="2" charset="-122"/>
-              <a:cs typeface="+mn-ea"/>
-              <a:sym typeface="+mn-lt"/>
-            </a:endParaRPr>
           </a:p>
           <a:p>
             <a:pPr algn="ctr">
@@ -12326,11 +12010,6 @@
               </a:rPr>
               <a:t> </a:t>
             </a:r>
-            <a:endParaRPr lang="zh-CN" altLang="en-US" sz="2000" dirty="0">
-              <a:ea typeface="宋体" panose="02010600030101010101" pitchFamily="2" charset="-122"/>
-              <a:cs typeface="+mn-ea"/>
-              <a:sym typeface="+mn-lt"/>
-            </a:endParaRPr>
           </a:p>
           <a:p>
             <a:pPr algn="ctr">
@@ -12362,11 +12041,6 @@
               </a:rPr>
               <a:t>标签码</a:t>
             </a:r>
-            <a:endParaRPr lang="zh-CN" altLang="en-US" sz="2000" dirty="0">
-              <a:ea typeface="宋体" panose="02010600030101010101" pitchFamily="2" charset="-122"/>
-              <a:cs typeface="+mn-ea"/>
-              <a:sym typeface="+mn-lt"/>
-            </a:endParaRPr>
           </a:p>
           <a:p>
             <a:pPr algn="ctr">
@@ -12402,11 +12076,6 @@
               </a:rPr>
               <a:t>当前合计总金额</a:t>
             </a:r>
-            <a:endParaRPr lang="zh-CN" altLang="en-US" sz="2000" dirty="0">
-              <a:ea typeface="宋体" panose="02010600030101010101" pitchFamily="2" charset="-122"/>
-              <a:cs typeface="+mn-ea"/>
-              <a:sym typeface="+mn-lt"/>
-            </a:endParaRPr>
           </a:p>
           <a:p>
             <a:pPr algn="ctr">
@@ -12440,21 +12109,8 @@
                 <a:cs typeface="+mn-ea"/>
                 <a:sym typeface="+mn-lt"/>
               </a:rPr>
-              <a:t>当前合计总数量</a:t>
-            </a:r>
-            <a:r>
-              <a:rPr lang="zh-CN" altLang="en-US" sz="2000" dirty="0">
-                <a:ea typeface="宋体" panose="02010600030101010101" pitchFamily="2" charset="-122"/>
-                <a:cs typeface="+mn-ea"/>
-                <a:sym typeface="+mn-lt"/>
-              </a:rPr>
-              <a:t> </a:t>
-            </a:r>
-            <a:endParaRPr lang="zh-CN" altLang="en-US" sz="2000" dirty="0">
-              <a:ea typeface="宋体" panose="02010600030101010101" pitchFamily="2" charset="-122"/>
-              <a:cs typeface="+mn-ea"/>
-              <a:sym typeface="+mn-lt"/>
-            </a:endParaRPr>
+              <a:t>当前合计总数量 </a:t>
+            </a:r>
           </a:p>
         </p:txBody>
       </p:sp>
@@ -12467,7 +12123,7 @@
           <p:nvPr/>
         </p:nvPicPr>
         <p:blipFill>
-          <a:blip r:embed="rId1"/>
+          <a:blip r:embed="rId2"/>
           <a:stretch>
             <a:fillRect/>
           </a:stretch>
@@ -12815,11 +12471,6 @@
               </a:rPr>
               <a:t>麻醉手术科、麻醉手术科二部</a:t>
             </a:r>
-            <a:endParaRPr lang="zh-CN" altLang="en-US" sz="3000" b="1" dirty="0">
-              <a:ea typeface="宋体" panose="02010600030101010101" pitchFamily="2" charset="-122"/>
-              <a:cs typeface="+mn-ea"/>
-              <a:sym typeface="+mn-lt"/>
-            </a:endParaRPr>
           </a:p>
         </p:txBody>
       </p:sp>
@@ -12832,7 +12483,7 @@
           <p:nvPr/>
         </p:nvPicPr>
         <p:blipFill>
-          <a:blip r:embed="rId1"/>
+          <a:blip r:embed="rId2"/>
           <a:stretch>
             <a:fillRect/>
           </a:stretch>
@@ -12856,7 +12507,7 @@
           <p:nvPr/>
         </p:nvPicPr>
         <p:blipFill>
-          <a:blip r:embed="rId2"/>
+          <a:blip r:embed="rId3"/>
           <a:stretch>
             <a:fillRect/>
           </a:stretch>
@@ -12927,6 +12578,7 @@
           <a:bodyPr wrap="square" rtlCol="0">
             <a:spAutoFit/>
           </a:bodyPr>
+          <a:lstStyle/>
           <a:p>
             <a:pPr algn="ctr">
               <a:lnSpc>
@@ -12948,11 +12600,6 @@
               </a:rPr>
               <a:t>清单上的标签码必须与计费登记单粘贴的条形标签码一致且数量相同</a:t>
             </a:r>
-            <a:endParaRPr lang="zh-CN" altLang="en-US" sz="2000" dirty="0">
-              <a:ea typeface="宋体" panose="02010600030101010101" pitchFamily="2" charset="-122"/>
-              <a:cs typeface="+mn-ea"/>
-              <a:sym typeface="+mn-lt"/>
-            </a:endParaRPr>
           </a:p>
           <a:p>
             <a:pPr algn="ctr">
@@ -12976,11 +12623,6 @@
               </a:rPr>
               <a:t>反面贴标签码的纸张必须有手术信息和医生护士签字。</a:t>
             </a:r>
-            <a:endParaRPr lang="zh-CN" altLang="en-US" sz="2000" dirty="0">
-              <a:ea typeface="宋体" panose="02010600030101010101" pitchFamily="2" charset="-122"/>
-              <a:cs typeface="+mn-ea"/>
-              <a:sym typeface="+mn-lt"/>
-            </a:endParaRPr>
           </a:p>
           <a:p>
             <a:pPr algn="ctr">
@@ -13052,6 +12694,7 @@
         </p:style>
         <p:txBody>
           <a:bodyPr rtlCol="0" anchor="ctr"/>
+          <a:lstStyle/>
           <a:p>
             <a:pPr algn="ctr"/>
             <a:endParaRPr lang="zh-CN" altLang="en-US"/>
@@ -13067,7 +12710,7 @@
 </file>
 
 <file path=ppt/tags/tag1.xml><?xml version="1.0" encoding="utf-8"?>
-<p:tagLst xmlns:p="http://schemas.openxmlformats.org/presentationml/2006/main">
+<p:tagLst xmlns:a="http://schemas.openxmlformats.org/drawingml/2006/main" xmlns:r="http://schemas.openxmlformats.org/officeDocument/2006/relationships" xmlns:p="http://schemas.openxmlformats.org/presentationml/2006/main">
   <p:tag name="KSO_WM_TEMPLATE_TOPIC_ID" val="2869567"/>
   <p:tag name="KSO_WM_TEMPLATE_OUTLINE_ID" val="6"/>
   <p:tag name="KSO_WM_TEMPLATE_SCENE_ID" val="1"/>
@@ -13077,21 +12720,21 @@
 </file>
 
 <file path=ppt/tags/tag2.xml><?xml version="1.0" encoding="utf-8"?>
-<p:tagLst xmlns:p="http://schemas.openxmlformats.org/presentationml/2006/main">
+<p:tagLst xmlns:a="http://schemas.openxmlformats.org/drawingml/2006/main" xmlns:r="http://schemas.openxmlformats.org/officeDocument/2006/relationships" xmlns:p="http://schemas.openxmlformats.org/presentationml/2006/main">
   <p:tag name="REFSHAPE" val="594129460"/>
   <p:tag name="KSO_WM_UNIT_PLACING_PICTURE_USER_VIEWPORT" val="{&quot;height&quot;:5034,&quot;width&quot;:13117}"/>
 </p:tagLst>
 </file>
 
 <file path=ppt/tags/tag3.xml><?xml version="1.0" encoding="utf-8"?>
-<p:tagLst xmlns:p="http://schemas.openxmlformats.org/presentationml/2006/main">
+<p:tagLst xmlns:a="http://schemas.openxmlformats.org/drawingml/2006/main" xmlns:r="http://schemas.openxmlformats.org/officeDocument/2006/relationships" xmlns:p="http://schemas.openxmlformats.org/presentationml/2006/main">
   <p:tag name="REFSHAPE" val="428142092"/>
   <p:tag name="KSO_WM_UNIT_PLACING_PICTURE_USER_VIEWPORT" val="{&quot;height&quot;:5603,&quot;width&quot;:13154}"/>
 </p:tagLst>
 </file>
 
 <file path=ppt/tags/tag4.xml><?xml version="1.0" encoding="utf-8"?>
-<p:tagLst xmlns:p="http://schemas.openxmlformats.org/presentationml/2006/main">
+<p:tagLst xmlns:a="http://schemas.openxmlformats.org/drawingml/2006/main" xmlns:r="http://schemas.openxmlformats.org/officeDocument/2006/relationships" xmlns:p="http://schemas.openxmlformats.org/presentationml/2006/main">
   <p:tag name="KSO_WM_TEMPLATE_TOPIC_ID" val="2869567"/>
   <p:tag name="KSO_WM_TEMPLATE_OUTLINE_ID" val="6"/>
   <p:tag name="KSO_WM_TEMPLATE_SCENE_ID" val="1"/>
@@ -13291,6 +12934,8 @@
       </a:bgFillStyleLst>
     </a:fmtScheme>
   </a:themeElements>
+  <a:objectDefaults/>
+  <a:extraClrSchemeLst/>
   <a:extLst>
     <a:ext uri="{05A4C25C-085E-4340-85A3-A5531E510DB2}">
       <thm15:themeFamily xmlns:thm15="http://schemas.microsoft.com/office/thememl/2012/main" name="Office Theme" id="{62F939B6-93AF-4DB8-9C6B-D6C7DFDC589F}" vid="{4A3C46E8-61CC-4603-A589-7422A47A8E4A}"/>
@@ -13550,6 +13195,8 @@
       </a:bgFillStyleLst>
     </a:fmtScheme>
   </a:themeElements>
+  <a:objectDefaults/>
+  <a:extraClrSchemeLst/>
   <a:extLst>
     <a:ext uri="{05A4C25C-085E-4340-85A3-A5531E510DB2}">
       <thm15:themeFamily xmlns:thm15="http://schemas.microsoft.com/office/thememl/2012/main" name="Office Theme" id="{62F939B6-93AF-4DB8-9C6B-D6C7DFDC589F}" vid="{4A3C46E8-61CC-4603-A589-7422A47A8E4A}"/>
